--- a/Presentations/3. Paradigma Orientado a Objetos.pptx
+++ b/Presentations/3. Paradigma Orientado a Objetos.pptx
@@ -202,7 +202,7 @@
           <a:p>
             <a:fld id="{E4B0D690-8AFA-4190-91CA-93D164836BC5}" type="datetimeFigureOut">
               <a:rPr lang="es-CO" smtClean="0"/>
-              <a:t>18/06/2018</a:t>
+              <a:t>19/06/2018</a:t>
             </a:fld>
             <a:endParaRPr lang="es-CO"/>
           </a:p>
@@ -670,7 +670,7 @@
           <a:p>
             <a:fld id="{4D459765-66A3-4114-9514-A57B5A254277}" type="datetimeFigureOut">
               <a:rPr lang="es-ES" smtClean="0"/>
-              <a:t>18/06/2018</a:t>
+              <a:t>19/06/2018</a:t>
             </a:fld>
             <a:endParaRPr lang="es-ES"/>
           </a:p>
@@ -1045,7 +1045,7 @@
           <a:p>
             <a:fld id="{4D459765-66A3-4114-9514-A57B5A254277}" type="datetimeFigureOut">
               <a:rPr lang="es-ES" smtClean="0"/>
-              <a:t>18/06/2018</a:t>
+              <a:t>19/06/2018</a:t>
             </a:fld>
             <a:endParaRPr lang="es-ES"/>
           </a:p>
@@ -1225,7 +1225,7 @@
           <a:p>
             <a:fld id="{4D459765-66A3-4114-9514-A57B5A254277}" type="datetimeFigureOut">
               <a:rPr lang="es-ES" smtClean="0"/>
-              <a:t>18/06/2018</a:t>
+              <a:t>19/06/2018</a:t>
             </a:fld>
             <a:endParaRPr lang="es-ES"/>
           </a:p>
@@ -1395,7 +1395,7 @@
           <a:p>
             <a:fld id="{4D459765-66A3-4114-9514-A57B5A254277}" type="datetimeFigureOut">
               <a:rPr lang="es-ES" smtClean="0"/>
-              <a:t>18/06/2018</a:t>
+              <a:t>19/06/2018</a:t>
             </a:fld>
             <a:endParaRPr lang="es-ES"/>
           </a:p>
@@ -1651,7 +1651,7 @@
           <a:p>
             <a:fld id="{4D459765-66A3-4114-9514-A57B5A254277}" type="datetimeFigureOut">
               <a:rPr lang="es-ES" smtClean="0"/>
-              <a:t>18/06/2018</a:t>
+              <a:t>19/06/2018</a:t>
             </a:fld>
             <a:endParaRPr lang="es-ES"/>
           </a:p>
@@ -1939,7 +1939,7 @@
           <a:p>
             <a:fld id="{4D459765-66A3-4114-9514-A57B5A254277}" type="datetimeFigureOut">
               <a:rPr lang="es-ES" smtClean="0"/>
-              <a:t>18/06/2018</a:t>
+              <a:t>19/06/2018</a:t>
             </a:fld>
             <a:endParaRPr lang="es-ES"/>
           </a:p>
@@ -2377,7 +2377,7 @@
           <a:p>
             <a:fld id="{4D459765-66A3-4114-9514-A57B5A254277}" type="datetimeFigureOut">
               <a:rPr lang="es-ES" smtClean="0"/>
-              <a:t>18/06/2018</a:t>
+              <a:t>19/06/2018</a:t>
             </a:fld>
             <a:endParaRPr lang="es-ES"/>
           </a:p>
@@ -2495,7 +2495,7 @@
           <a:p>
             <a:fld id="{4D459765-66A3-4114-9514-A57B5A254277}" type="datetimeFigureOut">
               <a:rPr lang="es-ES" smtClean="0"/>
-              <a:t>18/06/2018</a:t>
+              <a:t>19/06/2018</a:t>
             </a:fld>
             <a:endParaRPr lang="es-ES"/>
           </a:p>
@@ -2590,7 +2590,7 @@
           <a:p>
             <a:fld id="{4D459765-66A3-4114-9514-A57B5A254277}" type="datetimeFigureOut">
               <a:rPr lang="es-ES" smtClean="0"/>
-              <a:t>18/06/2018</a:t>
+              <a:t>19/06/2018</a:t>
             </a:fld>
             <a:endParaRPr lang="es-ES"/>
           </a:p>
@@ -2946,7 +2946,7 @@
           <a:p>
             <a:fld id="{4D459765-66A3-4114-9514-A57B5A254277}" type="datetimeFigureOut">
               <a:rPr lang="es-ES" smtClean="0"/>
-              <a:t>18/06/2018</a:t>
+              <a:t>19/06/2018</a:t>
             </a:fld>
             <a:endParaRPr lang="es-ES"/>
           </a:p>
@@ -3262,7 +3262,7 @@
           <a:p>
             <a:fld id="{4D459765-66A3-4114-9514-A57B5A254277}" type="datetimeFigureOut">
               <a:rPr lang="es-ES" smtClean="0"/>
-              <a:t>18/06/2018</a:t>
+              <a:t>19/06/2018</a:t>
             </a:fld>
             <a:endParaRPr lang="es-ES"/>
           </a:p>
@@ -3495,7 +3495,7 @@
           <a:p>
             <a:fld id="{4D459765-66A3-4114-9514-A57B5A254277}" type="datetimeFigureOut">
               <a:rPr lang="es-ES" smtClean="0"/>
-              <a:t>18/06/2018</a:t>
+              <a:t>19/06/2018</a:t>
             </a:fld>
             <a:endParaRPr lang="es-ES"/>
           </a:p>
@@ -4437,6 +4437,15 @@
               <a:t>Es el proceso de ocultar detalles innecesarios sobre la implementación de una clase.</a:t>
             </a:r>
           </a:p>
+          <a:p>
+            <a:endParaRPr lang="es-CO" dirty="0"/>
+          </a:p>
+          <a:p>
+            <a:r>
+              <a:rPr lang="es-CO" dirty="0"/>
+              <a:t>Realizado a través de las propiedades y los métodos.</a:t>
+            </a:r>
+          </a:p>
         </p:txBody>
       </p:sp>
     </p:spTree>
@@ -4521,6 +4530,21 @@
             <a:r>
               <a:rPr lang="es-CO" dirty="0"/>
               <a:t>Es la habilidad para construir nuevas clases a partir de la definición de otra, tomando sus características y su comportamiento y mejorándolo.</a:t>
+            </a:r>
+          </a:p>
+          <a:p>
+            <a:endParaRPr lang="es-CO" dirty="0"/>
+          </a:p>
+          <a:p>
+            <a:r>
+              <a:rPr lang="es-CO" dirty="0"/>
+              <a:t>Herencia</a:t>
+            </a:r>
+          </a:p>
+          <a:p>
+            <a:r>
+              <a:rPr lang="es-CO" dirty="0"/>
+              <a:t>Abstractas</a:t>
             </a:r>
           </a:p>
         </p:txBody>
